--- a/images/imagesWithText.pptx
+++ b/images/imagesWithText.pptx
@@ -6,6 +6,7 @@
   </p:sldMasterIdLst>
   <p:sldIdLst>
     <p:sldId id="256" r:id="rId2"/>
+    <p:sldId id="257" r:id="rId3"/>
   </p:sldIdLst>
   <p:sldSz cx="12192000" cy="6858000"/>
   <p:notesSz cx="6858000" cy="9144000"/>
@@ -3596,7 +3597,7 @@
         </p:nvSpPr>
         <p:spPr>
           <a:xfrm>
-            <a:off x="9057938" y="3167390"/>
+            <a:off x="8927624" y="3167390"/>
             <a:ext cx="2044470" cy="523220"/>
           </a:xfrm>
           <a:prstGeom prst="rect">
@@ -3826,8 +3827,8 @@
           </a:p>
         </p:txBody>
       </p:sp>
-      <mc:AlternateContent xmlns:mc="http://schemas.openxmlformats.org/markup-compatibility/2006">
-        <mc:Choice xmlns:p14="http://schemas.microsoft.com/office/powerpoint/2010/main" Requires="p14">
+      <mc:AlternateContent xmlns:mc="http://schemas.openxmlformats.org/markup-compatibility/2006" xmlns:p14="http://schemas.microsoft.com/office/powerpoint/2010/main">
+        <mc:Choice Requires="p14">
           <p:contentPart p14:bwMode="auto" r:id="rId2">
             <p14:nvContentPartPr>
               <p14:cNvPr id="20" name="Freihand 19"/>
@@ -3840,7 +3841,7 @@
             </p14:xfrm>
           </p:contentPart>
         </mc:Choice>
-        <mc:Fallback>
+        <mc:Fallback xmlns="">
           <p:pic>
             <p:nvPicPr>
               <p:cNvPr id="20" name="Freihand 19"/>
@@ -3865,8 +3866,8 @@
           </p:pic>
         </mc:Fallback>
       </mc:AlternateContent>
-      <mc:AlternateContent xmlns:mc="http://schemas.openxmlformats.org/markup-compatibility/2006">
-        <mc:Choice xmlns:p14="http://schemas.microsoft.com/office/powerpoint/2010/main" Requires="p14">
+      <mc:AlternateContent xmlns:mc="http://schemas.openxmlformats.org/markup-compatibility/2006" xmlns:p14="http://schemas.microsoft.com/office/powerpoint/2010/main">
+        <mc:Choice Requires="p14">
           <p:contentPart p14:bwMode="auto" r:id="rId4">
             <p14:nvContentPartPr>
               <p14:cNvPr id="22" name="Freihand 21"/>
@@ -3879,7 +3880,7 @@
             </p14:xfrm>
           </p:contentPart>
         </mc:Choice>
-        <mc:Fallback>
+        <mc:Fallback xmlns="">
           <p:pic>
             <p:nvPicPr>
               <p:cNvPr id="22" name="Freihand 21"/>
@@ -3904,8 +3905,8 @@
           </p:pic>
         </mc:Fallback>
       </mc:AlternateContent>
-      <mc:AlternateContent xmlns:mc="http://schemas.openxmlformats.org/markup-compatibility/2006">
-        <mc:Choice xmlns:p14="http://schemas.microsoft.com/office/powerpoint/2010/main" Requires="p14">
+      <mc:AlternateContent xmlns:mc="http://schemas.openxmlformats.org/markup-compatibility/2006" xmlns:p14="http://schemas.microsoft.com/office/powerpoint/2010/main">
+        <mc:Choice Requires="p14">
           <p:contentPart p14:bwMode="auto" r:id="rId6">
             <p14:nvContentPartPr>
               <p14:cNvPr id="26" name="Freihand 25"/>
@@ -3913,12 +3914,12 @@
               <p14:nvPr/>
             </p14:nvContentPartPr>
             <p14:xfrm>
-              <a:off x="7688220" y="1807260"/>
+              <a:off x="8071398" y="1807260"/>
               <a:ext cx="1789920" cy="1082160"/>
             </p14:xfrm>
           </p:contentPart>
         </mc:Choice>
-        <mc:Fallback>
+        <mc:Fallback xmlns="">
           <p:pic>
             <p:nvPicPr>
               <p:cNvPr id="26" name="Freihand 25"/>
@@ -3933,7 +3934,7 @@
             </p:blipFill>
             <p:spPr>
               <a:xfrm>
-                <a:off x="7665540" y="1773060"/>
+                <a:off x="8048718" y="1773060"/>
                 <a:ext cx="1847520" cy="1151640"/>
               </a:xfrm>
               <a:prstGeom prst="rect">
@@ -3943,8 +3944,8 @@
           </p:pic>
         </mc:Fallback>
       </mc:AlternateContent>
-      <mc:AlternateContent xmlns:mc="http://schemas.openxmlformats.org/markup-compatibility/2006">
-        <mc:Choice xmlns:p14="http://schemas.microsoft.com/office/powerpoint/2010/main" Requires="p14">
+      <mc:AlternateContent xmlns:mc="http://schemas.openxmlformats.org/markup-compatibility/2006" xmlns:p14="http://schemas.microsoft.com/office/powerpoint/2010/main">
+        <mc:Choice Requires="p14">
           <p:contentPart p14:bwMode="auto" r:id="rId8">
             <p14:nvContentPartPr>
               <p14:cNvPr id="28" name="Freihand 27"/>
@@ -3952,12 +3953,12 @@
               <p14:nvPr/>
             </p14:nvContentPartPr>
             <p14:xfrm>
-              <a:off x="9326580" y="2761620"/>
+              <a:off x="9709758" y="2761620"/>
               <a:ext cx="318960" cy="158040"/>
             </p14:xfrm>
           </p:contentPart>
         </mc:Choice>
-        <mc:Fallback>
+        <mc:Fallback xmlns="">
           <p:pic>
             <p:nvPicPr>
               <p:cNvPr id="28" name="Freihand 27"/>
@@ -3972,7 +3973,7 @@
             </p:blipFill>
             <p:spPr>
               <a:xfrm>
-                <a:off x="9292020" y="2728140"/>
+                <a:off x="9675198" y="2728140"/>
                 <a:ext cx="389520" cy="227520"/>
               </a:xfrm>
               <a:prstGeom prst="rect">
@@ -3982,8 +3983,8 @@
           </p:pic>
         </mc:Fallback>
       </mc:AlternateContent>
-      <mc:AlternateContent xmlns:mc="http://schemas.openxmlformats.org/markup-compatibility/2006">
-        <mc:Choice xmlns:p14="http://schemas.microsoft.com/office/powerpoint/2010/main" Requires="p14">
+      <mc:AlternateContent xmlns:mc="http://schemas.openxmlformats.org/markup-compatibility/2006" xmlns:p14="http://schemas.microsoft.com/office/powerpoint/2010/main">
+        <mc:Choice Requires="p14">
           <p:contentPart p14:bwMode="auto" r:id="rId10">
             <p14:nvContentPartPr>
               <p14:cNvPr id="30" name="Freihand 29"/>
@@ -3996,7 +3997,7 @@
             </p14:xfrm>
           </p:contentPart>
         </mc:Choice>
-        <mc:Fallback>
+        <mc:Fallback xmlns="">
           <p:pic>
             <p:nvPicPr>
               <p:cNvPr id="30" name="Freihand 29"/>
@@ -4021,8 +4022,8 @@
           </p:pic>
         </mc:Fallback>
       </mc:AlternateContent>
-      <mc:AlternateContent xmlns:mc="http://schemas.openxmlformats.org/markup-compatibility/2006">
-        <mc:Choice xmlns:p14="http://schemas.microsoft.com/office/powerpoint/2010/main" Requires="p14">
+      <mc:AlternateContent xmlns:mc="http://schemas.openxmlformats.org/markup-compatibility/2006" xmlns:p14="http://schemas.microsoft.com/office/powerpoint/2010/main">
+        <mc:Choice Requires="p14">
           <p:contentPart p14:bwMode="auto" r:id="rId12">
             <p14:nvContentPartPr>
               <p14:cNvPr id="34" name="Freihand 33"/>
@@ -4035,7 +4036,7 @@
             </p14:xfrm>
           </p:contentPart>
         </mc:Choice>
-        <mc:Fallback>
+        <mc:Fallback xmlns="">
           <p:pic>
             <p:nvPicPr>
               <p:cNvPr id="34" name="Freihand 33"/>
@@ -4060,8 +4061,8 @@
           </p:pic>
         </mc:Fallback>
       </mc:AlternateContent>
-      <mc:AlternateContent xmlns:mc="http://schemas.openxmlformats.org/markup-compatibility/2006">
-        <mc:Choice xmlns:p14="http://schemas.microsoft.com/office/powerpoint/2010/main" Requires="p14">
+      <mc:AlternateContent xmlns:mc="http://schemas.openxmlformats.org/markup-compatibility/2006" xmlns:p14="http://schemas.microsoft.com/office/powerpoint/2010/main">
+        <mc:Choice Requires="p14">
           <p:contentPart p14:bwMode="auto" r:id="rId14">
             <p14:nvContentPartPr>
               <p14:cNvPr id="37" name="Freihand 36"/>
@@ -4074,7 +4075,7 @@
             </p14:xfrm>
           </p:contentPart>
         </mc:Choice>
-        <mc:Fallback>
+        <mc:Fallback xmlns="">
           <p:pic>
             <p:nvPicPr>
               <p:cNvPr id="37" name="Freihand 36"/>
@@ -4099,8 +4100,8 @@
           </p:pic>
         </mc:Fallback>
       </mc:AlternateContent>
-      <mc:AlternateContent xmlns:mc="http://schemas.openxmlformats.org/markup-compatibility/2006">
-        <mc:Choice xmlns:p14="http://schemas.microsoft.com/office/powerpoint/2010/main" Requires="p14">
+      <mc:AlternateContent xmlns:mc="http://schemas.openxmlformats.org/markup-compatibility/2006" xmlns:p14="http://schemas.microsoft.com/office/powerpoint/2010/main">
+        <mc:Choice Requires="p14">
           <p:contentPart p14:bwMode="auto" r:id="rId16">
             <p14:nvContentPartPr>
               <p14:cNvPr id="39" name="Freihand 38"/>
@@ -4113,7 +4114,7 @@
             </p14:xfrm>
           </p:contentPart>
         </mc:Choice>
-        <mc:Fallback>
+        <mc:Fallback xmlns="">
           <p:pic>
             <p:nvPicPr>
               <p:cNvPr id="39" name="Freihand 38"/>
@@ -4138,8 +4139,8 @@
           </p:pic>
         </mc:Fallback>
       </mc:AlternateContent>
-      <mc:AlternateContent xmlns:mc="http://schemas.openxmlformats.org/markup-compatibility/2006">
-        <mc:Choice xmlns:p14="http://schemas.microsoft.com/office/powerpoint/2010/main" Requires="p14">
+      <mc:AlternateContent xmlns:mc="http://schemas.openxmlformats.org/markup-compatibility/2006" xmlns:p14="http://schemas.microsoft.com/office/powerpoint/2010/main">
+        <mc:Choice Requires="p14">
           <p:contentPart p14:bwMode="auto" r:id="rId18">
             <p14:nvContentPartPr>
               <p14:cNvPr id="41" name="Freihand 40"/>
@@ -4152,7 +4153,7 @@
             </p14:xfrm>
           </p:contentPart>
         </mc:Choice>
-        <mc:Fallback>
+        <mc:Fallback xmlns="">
           <p:pic>
             <p:nvPicPr>
               <p:cNvPr id="41" name="Freihand 40"/>
@@ -4177,8 +4178,8 @@
           </p:pic>
         </mc:Fallback>
       </mc:AlternateContent>
-      <mc:AlternateContent xmlns:mc="http://schemas.openxmlformats.org/markup-compatibility/2006">
-        <mc:Choice xmlns:p14="http://schemas.microsoft.com/office/powerpoint/2010/main" Requires="p14">
+      <mc:AlternateContent xmlns:mc="http://schemas.openxmlformats.org/markup-compatibility/2006" xmlns:p14="http://schemas.microsoft.com/office/powerpoint/2010/main">
+        <mc:Choice Requires="p14">
           <p:contentPart p14:bwMode="auto" r:id="rId20">
             <p14:nvContentPartPr>
               <p14:cNvPr id="43" name="Freihand 42"/>
@@ -4191,7 +4192,7 @@
             </p14:xfrm>
           </p:contentPart>
         </mc:Choice>
-        <mc:Fallback>
+        <mc:Fallback xmlns="">
           <p:pic>
             <p:nvPicPr>
               <p:cNvPr id="43" name="Freihand 42"/>
@@ -4216,8 +4217,8 @@
           </p:pic>
         </mc:Fallback>
       </mc:AlternateContent>
-      <mc:AlternateContent xmlns:mc="http://schemas.openxmlformats.org/markup-compatibility/2006">
-        <mc:Choice xmlns:p14="http://schemas.microsoft.com/office/powerpoint/2010/main" Requires="p14">
+      <mc:AlternateContent xmlns:mc="http://schemas.openxmlformats.org/markup-compatibility/2006" xmlns:p14="http://schemas.microsoft.com/office/powerpoint/2010/main">
+        <mc:Choice Requires="p14">
           <p:contentPart p14:bwMode="auto" r:id="rId22">
             <p14:nvContentPartPr>
               <p14:cNvPr id="45" name="Freihand 44"/>
@@ -4230,7 +4231,7 @@
             </p14:xfrm>
           </p:contentPart>
         </mc:Choice>
-        <mc:Fallback>
+        <mc:Fallback xmlns="">
           <p:pic>
             <p:nvPicPr>
               <p:cNvPr id="45" name="Freihand 44"/>
@@ -4259,6 +4260,144 @@
     <p:extLst>
       <p:ext uri="{BB962C8B-B14F-4D97-AF65-F5344CB8AC3E}">
         <p14:creationId xmlns:p14="http://schemas.microsoft.com/office/powerpoint/2010/main" val="2209562101"/>
+      </p:ext>
+    </p:extLst>
+  </p:cSld>
+  <p:clrMapOvr>
+    <a:masterClrMapping/>
+  </p:clrMapOvr>
+</p:sld>
+</file>
+
+<file path=ppt/slides/slide2.xml><?xml version="1.0" encoding="utf-8"?>
+<p:sld xmlns:a="http://schemas.openxmlformats.org/drawingml/2006/main" xmlns:r="http://schemas.openxmlformats.org/officeDocument/2006/relationships" xmlns:p="http://schemas.openxmlformats.org/presentationml/2006/main">
+  <p:cSld>
+    <p:spTree>
+      <p:nvGrpSpPr>
+        <p:cNvPr id="1" name=""/>
+        <p:cNvGrpSpPr/>
+        <p:nvPr/>
+      </p:nvGrpSpPr>
+      <p:grpSpPr>
+        <a:xfrm>
+          <a:off x="0" y="0"/>
+          <a:ext cx="0" cy="0"/>
+          <a:chOff x="0" y="0"/>
+          <a:chExt cx="0" cy="0"/>
+        </a:xfrm>
+      </p:grpSpPr>
+      <p:pic>
+        <p:nvPicPr>
+          <p:cNvPr id="5" name="Grafik 4"/>
+          <p:cNvPicPr>
+            <a:picLocks noChangeAspect="1"/>
+          </p:cNvPicPr>
+          <p:nvPr/>
+        </p:nvPicPr>
+        <p:blipFill>
+          <a:blip r:embed="rId2"/>
+          <a:stretch>
+            <a:fillRect/>
+          </a:stretch>
+        </p:blipFill>
+        <p:spPr>
+          <a:xfrm>
+            <a:off x="2673803" y="1565690"/>
+            <a:ext cx="6720982" cy="3726619"/>
+          </a:xfrm>
+          <a:prstGeom prst="rect">
+            <a:avLst/>
+          </a:prstGeom>
+        </p:spPr>
+      </p:pic>
+      <p:sp>
+        <p:nvSpPr>
+          <p:cNvPr id="6" name="Textfeld 5"/>
+          <p:cNvSpPr txBox="1"/>
+          <p:nvPr/>
+        </p:nvSpPr>
+        <p:spPr>
+          <a:xfrm>
+            <a:off x="7818452" y="2821099"/>
+            <a:ext cx="1118384" cy="523220"/>
+          </a:xfrm>
+          <a:prstGeom prst="rect">
+            <a:avLst/>
+          </a:prstGeom>
+          <a:noFill/>
+        </p:spPr>
+        <p:txBody>
+          <a:bodyPr wrap="none" rtlCol="0">
+            <a:spAutoFit/>
+          </a:bodyPr>
+          <a:lstStyle/>
+          <a:p>
+            <a:pPr algn="ctr"/>
+            <a:r>
+              <a:rPr lang="de-DE" sz="2800" b="1" dirty="0" smtClean="0">
+                <a:solidFill>
+                  <a:srgbClr val="FF0000"/>
+                </a:solidFill>
+              </a:rPr>
+              <a:t>Retro!</a:t>
+            </a:r>
+            <a:endParaRPr lang="de-DE" sz="2800" b="1" dirty="0">
+              <a:solidFill>
+                <a:srgbClr val="FF0000"/>
+              </a:solidFill>
+            </a:endParaRPr>
+          </a:p>
+        </p:txBody>
+      </p:sp>
+      <p:sp>
+        <p:nvSpPr>
+          <p:cNvPr id="7" name="Textfeld 6"/>
+          <p:cNvSpPr txBox="1"/>
+          <p:nvPr/>
+        </p:nvSpPr>
+        <p:spPr>
+          <a:xfrm>
+            <a:off x="2805532" y="5030699"/>
+            <a:ext cx="1434174" cy="523220"/>
+          </a:xfrm>
+          <a:prstGeom prst="rect">
+            <a:avLst/>
+          </a:prstGeom>
+          <a:noFill/>
+        </p:spPr>
+        <p:txBody>
+          <a:bodyPr wrap="none" rtlCol="0">
+            <a:spAutoFit/>
+          </a:bodyPr>
+          <a:lstStyle/>
+          <a:p>
+            <a:pPr algn="ctr"/>
+            <a:r>
+              <a:rPr lang="de-DE" sz="2800" b="1" dirty="0" smtClean="0">
+                <a:solidFill>
+                  <a:schemeClr val="tx1">
+                    <a:lumMod val="65000"/>
+                    <a:lumOff val="35000"/>
+                  </a:schemeClr>
+                </a:solidFill>
+              </a:rPr>
+              <a:t>Meeting</a:t>
+            </a:r>
+            <a:endParaRPr lang="de-DE" sz="2800" b="1" dirty="0">
+              <a:solidFill>
+                <a:schemeClr val="tx1">
+                  <a:lumMod val="65000"/>
+                  <a:lumOff val="35000"/>
+                </a:schemeClr>
+              </a:solidFill>
+            </a:endParaRPr>
+          </a:p>
+        </p:txBody>
+      </p:sp>
+    </p:spTree>
+    <p:extLst>
+      <p:ext uri="{BB962C8B-B14F-4D97-AF65-F5344CB8AC3E}">
+        <p14:creationId xmlns:p14="http://schemas.microsoft.com/office/powerpoint/2010/main" val="1514380298"/>
       </p:ext>
     </p:extLst>
   </p:cSld>
